--- a/ClassMaterials/Encapsulation/Slides/Part5-CarRentalDesignProblem.pptx
+++ b/ClassMaterials/Encapsulation/Slides/Part5-CarRentalDesignProblem.pptx
@@ -221,7 +221,7 @@
           <a:p>
             <a:fld id="{4F942F4A-6994-3A49-9461-EE810FAF072D}" type="datetimeFigureOut">
               <a:rPr lang="en-US" smtClean="0"/>
-              <a:t>3/23/2023</a:t>
+              <a:t>8/11/2023</a:t>
             </a:fld>
             <a:endParaRPr lang="en-US"/>
           </a:p>
@@ -386,7 +386,7 @@
           <a:p>
             <a:fld id="{11374350-B736-4AC1-A1E7-19777DF1B0E1}" type="datetimeFigureOut">
               <a:rPr lang="en-US" smtClean="0"/>
-              <a:t>3/23/2023</a:t>
+              <a:t>8/11/2023</a:t>
             </a:fld>
             <a:endParaRPr lang="en-US"/>
           </a:p>
@@ -2862,7 +2862,7 @@
           <a:p>
             <a:fld id="{50A519B0-864F-436F-AD10-563B5AD2C023}" type="datetimeFigureOut">
               <a:rPr lang="en-US" smtClean="0"/>
-              <a:t>3/23/2023</a:t>
+              <a:t>8/11/2023</a:t>
             </a:fld>
             <a:endParaRPr lang="en-US"/>
           </a:p>
@@ -3030,7 +3030,7 @@
           <a:p>
             <a:fld id="{50A519B0-864F-436F-AD10-563B5AD2C023}" type="datetimeFigureOut">
               <a:rPr lang="en-US" smtClean="0"/>
-              <a:t>3/23/2023</a:t>
+              <a:t>8/11/2023</a:t>
             </a:fld>
             <a:endParaRPr lang="en-US"/>
           </a:p>
@@ -3208,7 +3208,7 @@
           <a:p>
             <a:fld id="{50A519B0-864F-436F-AD10-563B5AD2C023}" type="datetimeFigureOut">
               <a:rPr lang="en-US" smtClean="0"/>
-              <a:t>3/23/2023</a:t>
+              <a:t>8/11/2023</a:t>
             </a:fld>
             <a:endParaRPr lang="en-US"/>
           </a:p>
@@ -3376,7 +3376,7 @@
           <a:p>
             <a:fld id="{50A519B0-864F-436F-AD10-563B5AD2C023}" type="datetimeFigureOut">
               <a:rPr lang="en-US" smtClean="0"/>
-              <a:t>3/23/2023</a:t>
+              <a:t>8/11/2023</a:t>
             </a:fld>
             <a:endParaRPr lang="en-US"/>
           </a:p>
@@ -3621,7 +3621,7 @@
           <a:p>
             <a:fld id="{50A519B0-864F-436F-AD10-563B5AD2C023}" type="datetimeFigureOut">
               <a:rPr lang="en-US" smtClean="0"/>
-              <a:t>3/23/2023</a:t>
+              <a:t>8/11/2023</a:t>
             </a:fld>
             <a:endParaRPr lang="en-US"/>
           </a:p>
@@ -3906,7 +3906,7 @@
           <a:p>
             <a:fld id="{50A519B0-864F-436F-AD10-563B5AD2C023}" type="datetimeFigureOut">
               <a:rPr lang="en-US" smtClean="0"/>
-              <a:t>3/23/2023</a:t>
+              <a:t>8/11/2023</a:t>
             </a:fld>
             <a:endParaRPr lang="en-US"/>
           </a:p>
@@ -4325,7 +4325,7 @@
           <a:p>
             <a:fld id="{50A519B0-864F-436F-AD10-563B5AD2C023}" type="datetimeFigureOut">
               <a:rPr lang="en-US" smtClean="0"/>
-              <a:t>3/23/2023</a:t>
+              <a:t>8/11/2023</a:t>
             </a:fld>
             <a:endParaRPr lang="en-US"/>
           </a:p>
@@ -4442,7 +4442,7 @@
           <a:p>
             <a:fld id="{50A519B0-864F-436F-AD10-563B5AD2C023}" type="datetimeFigureOut">
               <a:rPr lang="en-US" smtClean="0"/>
-              <a:t>3/23/2023</a:t>
+              <a:t>8/11/2023</a:t>
             </a:fld>
             <a:endParaRPr lang="en-US"/>
           </a:p>
@@ -4537,7 +4537,7 @@
           <a:p>
             <a:fld id="{50A519B0-864F-436F-AD10-563B5AD2C023}" type="datetimeFigureOut">
               <a:rPr lang="en-US" smtClean="0"/>
-              <a:t>3/23/2023</a:t>
+              <a:t>8/11/2023</a:t>
             </a:fld>
             <a:endParaRPr lang="en-US"/>
           </a:p>
@@ -4812,7 +4812,7 @@
           <a:p>
             <a:fld id="{50A519B0-864F-436F-AD10-563B5AD2C023}" type="datetimeFigureOut">
               <a:rPr lang="en-US" smtClean="0"/>
-              <a:t>3/23/2023</a:t>
+              <a:t>8/11/2023</a:t>
             </a:fld>
             <a:endParaRPr lang="en-US"/>
           </a:p>
@@ -5064,7 +5064,7 @@
           <a:p>
             <a:fld id="{50A519B0-864F-436F-AD10-563B5AD2C023}" type="datetimeFigureOut">
               <a:rPr lang="en-US" smtClean="0"/>
-              <a:t>3/23/2023</a:t>
+              <a:t>8/11/2023</a:t>
             </a:fld>
             <a:endParaRPr lang="en-US"/>
           </a:p>
@@ -5275,7 +5275,7 @@
           <a:p>
             <a:fld id="{50A519B0-864F-436F-AD10-563B5AD2C023}" type="datetimeFigureOut">
               <a:rPr lang="en-US" smtClean="0"/>
-              <a:t>3/23/2023</a:t>
+              <a:t>8/11/2023</a:t>
             </a:fld>
             <a:endParaRPr lang="en-US"/>
           </a:p>
@@ -6087,6 +6087,11 @@
           <a:solidFill>
             <a:srgbClr val="FF0000"/>
           </a:solidFill>
+          <a:ln>
+            <a:solidFill>
+              <a:schemeClr val="tx1"/>
+            </a:solidFill>
+          </a:ln>
         </p:spPr>
         <p:style>
           <a:lnRef idx="2">
@@ -6564,12 +6569,9 @@
             </a:r>
             <a:r>
               <a:rPr lang="en-US" sz="2400" b="1" dirty="0"/>
-              <a:t>spread</a:t>
-            </a:r>
-            <a:r>
-              <a:rPr lang="en-US" sz="2400" dirty="0"/>
-              <a:t> throughout the system</a:t>
-            </a:r>
+              <a:t>distributed efficiently</a:t>
+            </a:r>
+            <a:endParaRPr lang="en-US" sz="2400" dirty="0"/>
           </a:p>
           <a:p>
             <a:pPr marL="685800" lvl="1" indent="-342900" fontAlgn="base">
@@ -6592,13 +6594,8 @@
                   <a:srgbClr val="FFFF00"/>
                 </a:highlight>
               </a:rPr>
-              <a:t>Each class should have a single responsibility it accomplishes</a:t>
-            </a:r>
-          </a:p>
-          <a:p>
-            <a:pPr marL="342900" lvl="1" indent="0" fontAlgn="base">
-              <a:buNone/>
-            </a:pPr>
+              <a:t>Each class should have a single responsibility</a:t>
+            </a:r>
             <a:endParaRPr lang="en-US" dirty="0">
               <a:solidFill>
                 <a:srgbClr val="FF0000"/>
@@ -7493,6 +7490,21 @@
 </file>
 
 <file path=customXml/item1.xml><?xml version="1.0" encoding="utf-8"?>
+<?mso-contentType ?>
+<FormTemplates xmlns="http://schemas.microsoft.com/sharepoint/v3/contenttype/forms">
+  <Display>DocumentLibraryForm</Display>
+  <Edit>DocumentLibraryForm</Edit>
+  <New>DocumentLibraryForm</New>
+</FormTemplates>
+</file>
+
+<file path=customXml/item2.xml><?xml version="1.0" encoding="utf-8"?>
+<p:properties xmlns:p="http://schemas.microsoft.com/office/2006/metadata/properties" xmlns:xsi="http://www.w3.org/2001/XMLSchema-instance" xmlns:pc="http://schemas.microsoft.com/office/infopath/2007/PartnerControls">
+  <documentManagement/>
+</p:properties>
+</file>
+
+<file path=customXml/item3.xml><?xml version="1.0" encoding="utf-8"?>
 <ct:contentTypeSchema xmlns:ct="http://schemas.microsoft.com/office/2006/metadata/contentType" xmlns:ma="http://schemas.microsoft.com/office/2006/metadata/properties/metaAttributes" ct:_="" ma:_="" ma:contentTypeName="Document" ma:contentTypeID="0x0101001570BCAAD2E4294F9443DCB038A55380" ma:contentTypeVersion="8" ma:contentTypeDescription="Create a new document." ma:contentTypeScope="" ma:versionID="9523c79d6bab9e2ad858b5223ec5ed94">
   <xsd:schema xmlns:xsd="http://www.w3.org/2001/XMLSchema" xmlns:xs="http://www.w3.org/2001/XMLSchema" xmlns:p="http://schemas.microsoft.com/office/2006/metadata/properties" xmlns:ns2="201674f6-2bdd-4f13-ba1e-424e4aa70473" targetNamespace="http://schemas.microsoft.com/office/2006/metadata/properties" ma:root="true" ma:fieldsID="587afc94f70b507ec5be5f4d78229b0b" ns2:_="">
     <xsd:import namespace="201674f6-2bdd-4f13-ba1e-424e4aa70473"/>
@@ -7662,22 +7674,24 @@
 </ct:contentTypeSchema>
 </file>
 
-<file path=customXml/item2.xml><?xml version="1.0" encoding="utf-8"?>
-<p:properties xmlns:p="http://schemas.microsoft.com/office/2006/metadata/properties" xmlns:xsi="http://www.w3.org/2001/XMLSchema-instance" xmlns:pc="http://schemas.microsoft.com/office/infopath/2007/PartnerControls">
-  <documentManagement/>
-</p:properties>
+<file path=customXml/itemProps1.xml><?xml version="1.0" encoding="utf-8"?>
+<ds:datastoreItem xmlns:ds="http://schemas.openxmlformats.org/officeDocument/2006/customXml" ds:itemID="{B83796DB-86E9-4D44-9BCB-A762264A5AFE}">
+  <ds:schemaRefs>
+    <ds:schemaRef ds:uri="http://schemas.microsoft.com/sharepoint/v3/contenttype/forms"/>
+  </ds:schemaRefs>
+</ds:datastoreItem>
 </file>
 
-<file path=customXml/item3.xml><?xml version="1.0" encoding="utf-8"?>
-<?mso-contentType ?>
-<FormTemplates xmlns="http://schemas.microsoft.com/sharepoint/v3/contenttype/forms">
-  <Display>DocumentLibraryForm</Display>
-  <Edit>DocumentLibraryForm</Edit>
-  <New>DocumentLibraryForm</New>
-</FormTemplates>
+<file path=customXml/itemProps2.xml><?xml version="1.0" encoding="utf-8"?>
+<ds:datastoreItem xmlns:ds="http://schemas.openxmlformats.org/officeDocument/2006/customXml" ds:itemID="{A396EFD4-1250-457A-AB4B-16A5266B50A5}">
+  <ds:schemaRefs>
+    <ds:schemaRef ds:uri="http://schemas.microsoft.com/office/2006/metadata/properties"/>
+    <ds:schemaRef ds:uri="http://schemas.microsoft.com/office/infopath/2007/PartnerControls"/>
+  </ds:schemaRefs>
+</ds:datastoreItem>
 </file>
 
-<file path=customXml/itemProps1.xml><?xml version="1.0" encoding="utf-8"?>
+<file path=customXml/itemProps3.xml><?xml version="1.0" encoding="utf-8"?>
 <ds:datastoreItem xmlns:ds="http://schemas.openxmlformats.org/officeDocument/2006/customXml" ds:itemID="{4055B637-E92D-4086-B83D-87288CBA5498}">
   <ds:schemaRefs>
     <ds:schemaRef ds:uri="http://schemas.microsoft.com/office/2006/metadata/contentType"/>
@@ -7693,21 +7707,4 @@
     <ds:schemaRef ds:uri="http://schemas.microsoft.com/internal/obd"/>
   </ds:schemaRefs>
 </ds:datastoreItem>
-</file>
-
-<file path=customXml/itemProps2.xml><?xml version="1.0" encoding="utf-8"?>
-<ds:datastoreItem xmlns:ds="http://schemas.openxmlformats.org/officeDocument/2006/customXml" ds:itemID="{A396EFD4-1250-457A-AB4B-16A5266B50A5}">
-  <ds:schemaRefs>
-    <ds:schemaRef ds:uri="http://schemas.microsoft.com/office/2006/metadata/properties"/>
-    <ds:schemaRef ds:uri="http://schemas.microsoft.com/office/infopath/2007/PartnerControls"/>
-  </ds:schemaRefs>
-</ds:datastoreItem>
-</file>
-
-<file path=customXml/itemProps3.xml><?xml version="1.0" encoding="utf-8"?>
-<ds:datastoreItem xmlns:ds="http://schemas.openxmlformats.org/officeDocument/2006/customXml" ds:itemID="{B83796DB-86E9-4D44-9BCB-A762264A5AFE}">
-  <ds:schemaRefs>
-    <ds:schemaRef ds:uri="http://schemas.microsoft.com/sharepoint/v3/contenttype/forms"/>
-  </ds:schemaRefs>
-</ds:datastoreItem>
 </file>